--- a/version 3/03 最终版v1/电信业务网拉通实验.pptx
+++ b/version 3/03 最终版v1/电信业务网拉通实验.pptx
@@ -227,7 +227,7 @@
           <a:p>
             <a:fld id="{67969E91-9954-4AF5-8614-1BF3C250D7E9}" type="datetimeFigureOut">
               <a:rPr lang="zh-CN" altLang="en-US" smtClean="0"/>
-              <a:t>2024/6/11</a:t>
+              <a:t>2024/6/17</a:t>
             </a:fld>
             <a:endParaRPr lang="zh-CN" altLang="en-US"/>
           </a:p>
@@ -809,7 +809,7 @@
           <a:p>
             <a:fld id="{4BA586D1-B3CE-4A5B-B39A-8D6A2EDB28BB}" type="datetimeFigureOut">
               <a:rPr lang="zh-CN" altLang="en-US" smtClean="0"/>
-              <a:t>2024/6/11</a:t>
+              <a:t>2024/6/17</a:t>
             </a:fld>
             <a:endParaRPr lang="zh-CN" altLang="en-US"/>
           </a:p>
@@ -1007,7 +1007,7 @@
           <a:p>
             <a:fld id="{4BA586D1-B3CE-4A5B-B39A-8D6A2EDB28BB}" type="datetimeFigureOut">
               <a:rPr lang="zh-CN" altLang="en-US" smtClean="0"/>
-              <a:t>2024/6/11</a:t>
+              <a:t>2024/6/17</a:t>
             </a:fld>
             <a:endParaRPr lang="zh-CN" altLang="en-US"/>
           </a:p>
@@ -1215,7 +1215,7 @@
           <a:p>
             <a:fld id="{4BA586D1-B3CE-4A5B-B39A-8D6A2EDB28BB}" type="datetimeFigureOut">
               <a:rPr lang="zh-CN" altLang="en-US" smtClean="0"/>
-              <a:t>2024/6/11</a:t>
+              <a:t>2024/6/17</a:t>
             </a:fld>
             <a:endParaRPr lang="zh-CN" altLang="en-US"/>
           </a:p>
@@ -1413,7 +1413,7 @@
           <a:p>
             <a:fld id="{4BA586D1-B3CE-4A5B-B39A-8D6A2EDB28BB}" type="datetimeFigureOut">
               <a:rPr lang="zh-CN" altLang="en-US" smtClean="0"/>
-              <a:t>2024/6/11</a:t>
+              <a:t>2024/6/17</a:t>
             </a:fld>
             <a:endParaRPr lang="zh-CN" altLang="en-US"/>
           </a:p>
@@ -1688,7 +1688,7 @@
           <a:p>
             <a:fld id="{4BA586D1-B3CE-4A5B-B39A-8D6A2EDB28BB}" type="datetimeFigureOut">
               <a:rPr lang="zh-CN" altLang="en-US" smtClean="0"/>
-              <a:t>2024/6/11</a:t>
+              <a:t>2024/6/17</a:t>
             </a:fld>
             <a:endParaRPr lang="zh-CN" altLang="en-US"/>
           </a:p>
@@ -1953,7 +1953,7 @@
           <a:p>
             <a:fld id="{4BA586D1-B3CE-4A5B-B39A-8D6A2EDB28BB}" type="datetimeFigureOut">
               <a:rPr lang="zh-CN" altLang="en-US" smtClean="0"/>
-              <a:t>2024/6/11</a:t>
+              <a:t>2024/6/17</a:t>
             </a:fld>
             <a:endParaRPr lang="zh-CN" altLang="en-US"/>
           </a:p>
@@ -2365,7 +2365,7 @@
           <a:p>
             <a:fld id="{4BA586D1-B3CE-4A5B-B39A-8D6A2EDB28BB}" type="datetimeFigureOut">
               <a:rPr lang="zh-CN" altLang="en-US" smtClean="0"/>
-              <a:t>2024/6/11</a:t>
+              <a:t>2024/6/17</a:t>
             </a:fld>
             <a:endParaRPr lang="zh-CN" altLang="en-US"/>
           </a:p>
@@ -2506,7 +2506,7 @@
           <a:p>
             <a:fld id="{4BA586D1-B3CE-4A5B-B39A-8D6A2EDB28BB}" type="datetimeFigureOut">
               <a:rPr lang="zh-CN" altLang="en-US" smtClean="0"/>
-              <a:t>2024/6/11</a:t>
+              <a:t>2024/6/17</a:t>
             </a:fld>
             <a:endParaRPr lang="zh-CN" altLang="en-US"/>
           </a:p>
@@ -2619,7 +2619,7 @@
           <a:p>
             <a:fld id="{4BA586D1-B3CE-4A5B-B39A-8D6A2EDB28BB}" type="datetimeFigureOut">
               <a:rPr lang="zh-CN" altLang="en-US" smtClean="0"/>
-              <a:t>2024/6/11</a:t>
+              <a:t>2024/6/17</a:t>
             </a:fld>
             <a:endParaRPr lang="zh-CN" altLang="en-US"/>
           </a:p>
@@ -2930,7 +2930,7 @@
           <a:p>
             <a:fld id="{4BA586D1-B3CE-4A5B-B39A-8D6A2EDB28BB}" type="datetimeFigureOut">
               <a:rPr lang="zh-CN" altLang="en-US" smtClean="0"/>
-              <a:t>2024/6/11</a:t>
+              <a:t>2024/6/17</a:t>
             </a:fld>
             <a:endParaRPr lang="zh-CN" altLang="en-US"/>
           </a:p>
@@ -3218,7 +3218,7 @@
           <a:p>
             <a:fld id="{4BA586D1-B3CE-4A5B-B39A-8D6A2EDB28BB}" type="datetimeFigureOut">
               <a:rPr lang="zh-CN" altLang="en-US" smtClean="0"/>
-              <a:t>2024/6/11</a:t>
+              <a:t>2024/6/17</a:t>
             </a:fld>
             <a:endParaRPr lang="zh-CN" altLang="en-US"/>
           </a:p>
@@ -3459,7 +3459,7 @@
           <a:p>
             <a:fld id="{4BA586D1-B3CE-4A5B-B39A-8D6A2EDB28BB}" type="datetimeFigureOut">
               <a:rPr lang="zh-CN" altLang="en-US" smtClean="0"/>
-              <a:t>2024/6/11</a:t>
+              <a:t>2024/6/17</a:t>
             </a:fld>
             <a:endParaRPr lang="zh-CN" altLang="en-US"/>
           </a:p>
@@ -10747,7 +10747,7 @@
             </a:r>
             <a:r>
               <a:rPr lang="en-US" altLang="zh-CN" sz="1400" dirty="0"/>
-              <a:t>Gsta@123</a:t>
+              <a:t>gsta@123</a:t>
             </a:r>
           </a:p>
           <a:p>
@@ -10866,8 +10866,12 @@
               <a:t>密码：</a:t>
             </a:r>
             <a:r>
+              <a:rPr lang="en-US" altLang="zh-CN" sz="1400"/>
+              <a:t>gsta</a:t>
+            </a:r>
+            <a:r>
               <a:rPr lang="en-US" altLang="zh-CN" sz="1400" dirty="0"/>
-              <a:t>Gsta@123</a:t>
+              <a:t>@123</a:t>
             </a:r>
           </a:p>
           <a:p>
